--- a/slides/AMQ-Deepdive-Slides.pptx
+++ b/slides/AMQ-Deepdive-Slides.pptx
@@ -1,12 +1,15 @@
 
 <file path=ppt/presentation.xml><?xml version="1.0" encoding="utf-8"?>
-<p:presentation xmlns:a="http://schemas.openxmlformats.org/drawingml/2006/main" xmlns:r="http://schemas.openxmlformats.org/officeDocument/2006/relationships" xmlns:p="http://schemas.openxmlformats.org/presentationml/2006/main" strictFirstAndLastChars="0" embedTrueTypeFonts="1" saveSubsetFonts="1" autoCompressPictures="0">
+<p:presentation xmlns:a="http://schemas.openxmlformats.org/drawingml/2006/main" xmlns:r="http://schemas.openxmlformats.org/officeDocument/2006/relationships" xmlns:p="http://schemas.openxmlformats.org/presentationml/2006/main" showSpecialPlsOnTitleSld="0" strictFirstAndLastChars="0" embedTrueTypeFonts="1" saveSubsetFonts="1" autoCompressPictures="0">
   <p:sldMasterIdLst>
     <p:sldMasterId id="2147483654" r:id="rId1"/>
   </p:sldMasterIdLst>
   <p:notesMasterIdLst>
     <p:notesMasterId r:id="rId28"/>
   </p:notesMasterIdLst>
+  <p:handoutMasterIdLst>
+    <p:handoutMasterId r:id="rId29"/>
+  </p:handoutMasterIdLst>
   <p:sldIdLst>
     <p:sldId id="256" r:id="rId2"/>
     <p:sldId id="267" r:id="rId3"/>
@@ -251,6 +254,172 @@
 </p:presentation>
 </file>
 
+<file path=ppt/handoutMasters/handoutMaster1.xml><?xml version="1.0" encoding="utf-8"?>
+<p:handoutMaster xmlns:a="http://schemas.openxmlformats.org/drawingml/2006/main" xmlns:r="http://schemas.openxmlformats.org/officeDocument/2006/relationships" xmlns:p="http://schemas.openxmlformats.org/presentationml/2006/main">
+  <p:cSld>
+    <p:bg>
+      <p:bgRef idx="1001">
+        <a:schemeClr val="bg1"/>
+      </p:bgRef>
+    </p:bg>
+    <p:spTree>
+      <p:nvGrpSpPr>
+        <p:cNvPr id="1" name=""/>
+        <p:cNvGrpSpPr/>
+        <p:nvPr/>
+      </p:nvGrpSpPr>
+      <p:grpSpPr>
+        <a:xfrm>
+          <a:off x="0" y="0"/>
+          <a:ext cx="0" cy="0"/>
+          <a:chOff x="0" y="0"/>
+          <a:chExt cx="0" cy="0"/>
+        </a:xfrm>
+      </p:grpSpPr>
+      <p:sp>
+        <p:nvSpPr>
+          <p:cNvPr id="2" name="Header Placeholder 1"/>
+          <p:cNvSpPr>
+            <a:spLocks noGrp="1"/>
+          </p:cNvSpPr>
+          <p:nvPr>
+            <p:ph type="hdr" sz="quarter"/>
+          </p:nvPr>
+        </p:nvSpPr>
+        <p:spPr>
+          <a:xfrm>
+            <a:off x="0" y="0"/>
+            <a:ext cx="2971800" cy="457200"/>
+          </a:xfrm>
+          <a:prstGeom prst="rect">
+            <a:avLst/>
+          </a:prstGeom>
+        </p:spPr>
+        <p:txBody>
+          <a:bodyPr vert="horz" lIns="91440" tIns="45720" rIns="91440" bIns="45720" rtlCol="0"/>
+          <a:lstStyle>
+            <a:lvl1pPr algn="l">
+              <a:defRPr sz="1200"/>
+            </a:lvl1pPr>
+          </a:lstStyle>
+          <a:p>
+            <a:endParaRPr lang="en-US"/>
+          </a:p>
+        </p:txBody>
+      </p:sp>
+      <p:sp>
+        <p:nvSpPr>
+          <p:cNvPr id="3" name="Date Placeholder 2"/>
+          <p:cNvSpPr>
+            <a:spLocks noGrp="1"/>
+          </p:cNvSpPr>
+          <p:nvPr>
+            <p:ph type="dt" sz="quarter" idx="1"/>
+          </p:nvPr>
+        </p:nvSpPr>
+        <p:spPr>
+          <a:xfrm>
+            <a:off x="3884613" y="0"/>
+            <a:ext cx="2971800" cy="457200"/>
+          </a:xfrm>
+          <a:prstGeom prst="rect">
+            <a:avLst/>
+          </a:prstGeom>
+        </p:spPr>
+        <p:txBody>
+          <a:bodyPr vert="horz" lIns="91440" tIns="45720" rIns="91440" bIns="45720" rtlCol="0"/>
+          <a:lstStyle>
+            <a:lvl1pPr algn="r">
+              <a:defRPr sz="1200"/>
+            </a:lvl1pPr>
+          </a:lstStyle>
+          <a:p>
+            <a:fld id="{A38C9047-27BD-5742-9EFC-2224B14EA4C9}" type="datetimeFigureOut">
+              <a:rPr lang="en-US" smtClean="0"/>
+              <a:t>5/8/17</a:t>
+            </a:fld>
+            <a:endParaRPr lang="en-US"/>
+          </a:p>
+        </p:txBody>
+      </p:sp>
+      <p:sp>
+        <p:nvSpPr>
+          <p:cNvPr id="4" name="Footer Placeholder 3"/>
+          <p:cNvSpPr>
+            <a:spLocks noGrp="1"/>
+          </p:cNvSpPr>
+          <p:nvPr>
+            <p:ph type="ftr" sz="quarter" idx="2"/>
+          </p:nvPr>
+        </p:nvSpPr>
+        <p:spPr>
+          <a:xfrm>
+            <a:off x="0" y="8685213"/>
+            <a:ext cx="2971800" cy="457200"/>
+          </a:xfrm>
+          <a:prstGeom prst="rect">
+            <a:avLst/>
+          </a:prstGeom>
+        </p:spPr>
+        <p:txBody>
+          <a:bodyPr vert="horz" lIns="91440" tIns="45720" rIns="91440" bIns="45720" rtlCol="0" anchor="b"/>
+          <a:lstStyle>
+            <a:lvl1pPr algn="l">
+              <a:defRPr sz="1200"/>
+            </a:lvl1pPr>
+          </a:lstStyle>
+          <a:p>
+            <a:endParaRPr lang="en-US"/>
+          </a:p>
+        </p:txBody>
+      </p:sp>
+      <p:sp>
+        <p:nvSpPr>
+          <p:cNvPr id="5" name="Slide Number Placeholder 4"/>
+          <p:cNvSpPr>
+            <a:spLocks noGrp="1"/>
+          </p:cNvSpPr>
+          <p:nvPr>
+            <p:ph type="sldNum" sz="quarter" idx="3"/>
+          </p:nvPr>
+        </p:nvSpPr>
+        <p:spPr>
+          <a:xfrm>
+            <a:off x="3884613" y="8685213"/>
+            <a:ext cx="2971800" cy="457200"/>
+          </a:xfrm>
+          <a:prstGeom prst="rect">
+            <a:avLst/>
+          </a:prstGeom>
+        </p:spPr>
+        <p:txBody>
+          <a:bodyPr vert="horz" lIns="91440" tIns="45720" rIns="91440" bIns="45720" rtlCol="0" anchor="b"/>
+          <a:lstStyle>
+            <a:lvl1pPr algn="r">
+              <a:defRPr sz="1200"/>
+            </a:lvl1pPr>
+          </a:lstStyle>
+          <a:p>
+            <a:fld id="{026A66BB-760F-E147-974A-6E98BAB72A5E}" type="slidenum">
+              <a:rPr lang="en-US" smtClean="0"/>
+              <a:t>‹#›</a:t>
+            </a:fld>
+            <a:endParaRPr lang="en-US"/>
+          </a:p>
+        </p:txBody>
+      </p:sp>
+    </p:spTree>
+    <p:extLst>
+      <p:ext uri="{BB962C8B-B14F-4D97-AF65-F5344CB8AC3E}">
+        <p14:creationId xmlns:p14="http://schemas.microsoft.com/office/powerpoint/2010/main" val="4254976239"/>
+      </p:ext>
+    </p:extLst>
+  </p:cSld>
+  <p:clrMap bg1="lt1" tx1="dk1" bg2="lt2" tx2="dk2" accent1="accent1" accent2="accent2" accent3="accent3" accent4="accent4" accent5="accent5" accent6="accent6" hlink="hlink" folHlink="folHlink"/>
+  <p:hf hdr="0" ftr="0" dt="0"/>
+</p:handoutMaster>
+</file>
+
 <file path=ppt/notesMasters/notesMaster1.xml><?xml version="1.0" encoding="utf-8"?>
 <p:notesMaster xmlns:a="http://schemas.openxmlformats.org/drawingml/2006/main" xmlns:r="http://schemas.openxmlformats.org/officeDocument/2006/relationships" xmlns:p="http://schemas.openxmlformats.org/presentationml/2006/main">
   <p:cSld>
@@ -418,6 +587,7 @@
     </p:extLst>
   </p:cSld>
   <p:clrMap bg1="lt1" tx1="dk1" bg2="dk2" tx2="lt2" accent1="accent1" accent2="accent2" accent3="accent3" accent4="accent4" accent5="accent5" accent6="accent6" hlink="hlink" folHlink="folHlink"/>
+  <p:hf hdr="0" ftr="0" dt="0"/>
   <p:notesStyle>
     <a:lvl1pPr marL="0" algn="l" defTabSz="457200" rtl="0" eaLnBrk="1" latinLnBrk="0" hangingPunct="1">
       <a:defRPr sz="1200" kern="1200">
@@ -1673,8 +1843,8 @@
         </p:nvSpPr>
         <p:spPr>
           <a:xfrm>
-            <a:off x="1143225" y="685800"/>
-            <a:ext cx="4572299" cy="3429000"/>
+            <a:off x="1143000" y="685800"/>
+            <a:ext cx="4572000" cy="3429000"/>
           </a:xfrm>
           <a:custGeom>
             <a:avLst/>
@@ -2614,8 +2784,8 @@
         </p:nvSpPr>
         <p:spPr>
           <a:xfrm>
-            <a:off x="1143225" y="685800"/>
-            <a:ext cx="4572299" cy="3429000"/>
+            <a:off x="1143000" y="685800"/>
+            <a:ext cx="4572000" cy="3429000"/>
           </a:xfrm>
           <a:custGeom>
             <a:avLst/>
@@ -2809,8 +2979,8 @@
         </p:nvSpPr>
         <p:spPr>
           <a:xfrm>
-            <a:off x="1143225" y="685800"/>
-            <a:ext cx="4572299" cy="3429000"/>
+            <a:off x="1143000" y="685800"/>
+            <a:ext cx="4572000" cy="3429000"/>
           </a:xfrm>
           <a:custGeom>
             <a:avLst/>
@@ -3000,8 +3170,8 @@
         </p:nvSpPr>
         <p:spPr>
           <a:xfrm>
-            <a:off x="1143225" y="685800"/>
-            <a:ext cx="4572299" cy="3429000"/>
+            <a:off x="1143000" y="685800"/>
+            <a:ext cx="4572000" cy="3429000"/>
           </a:xfrm>
           <a:custGeom>
             <a:avLst/>
@@ -3159,8 +3329,8 @@
         </p:nvSpPr>
         <p:spPr>
           <a:xfrm>
-            <a:off x="1143225" y="685800"/>
-            <a:ext cx="4572299" cy="3429000"/>
+            <a:off x="1143000" y="685800"/>
+            <a:ext cx="4572000" cy="3429000"/>
           </a:xfrm>
           <a:custGeom>
             <a:avLst/>
@@ -3318,8 +3488,8 @@
         </p:nvSpPr>
         <p:spPr>
           <a:xfrm>
-            <a:off x="1143225" y="685800"/>
-            <a:ext cx="4572299" cy="3429000"/>
+            <a:off x="1143000" y="685800"/>
+            <a:ext cx="4572000" cy="3429000"/>
           </a:xfrm>
           <a:custGeom>
             <a:avLst/>
@@ -3459,8 +3629,8 @@
         </p:nvSpPr>
         <p:spPr>
           <a:xfrm>
-            <a:off x="1143225" y="685800"/>
-            <a:ext cx="4572299" cy="3429000"/>
+            <a:off x="1143000" y="685800"/>
+            <a:ext cx="4572000" cy="3429000"/>
           </a:xfrm>
           <a:custGeom>
             <a:avLst/>
@@ -3828,7 +3998,7 @@
 </file>
 
 <file path=ppt/slideLayouts/slideLayout2.xml><?xml version="1.0" encoding="utf-8"?>
-<p:sldLayout xmlns:a="http://schemas.openxmlformats.org/drawingml/2006/main" xmlns:r="http://schemas.openxmlformats.org/officeDocument/2006/relationships" xmlns:p="http://schemas.openxmlformats.org/presentationml/2006/main" type="tx">
+<p:sldLayout xmlns:a="http://schemas.openxmlformats.org/drawingml/2006/main" xmlns:r="http://schemas.openxmlformats.org/officeDocument/2006/relationships" xmlns:p="http://schemas.openxmlformats.org/presentationml/2006/main" userDrawn="1">
   <p:cSld name="Title and body">
     <p:spTree>
       <p:nvGrpSpPr>
@@ -3844,88 +4014,6 @@
           <a:chExt cx="0" cy="0"/>
         </a:xfrm>
       </p:grpSpPr>
-      <p:sp>
-        <p:nvSpPr>
-          <p:cNvPr id="11" name="Shape 11"/>
-          <p:cNvSpPr txBox="1">
-            <a:spLocks noGrp="1"/>
-          </p:cNvSpPr>
-          <p:nvPr>
-            <p:ph type="title"/>
-          </p:nvPr>
-        </p:nvSpPr>
-        <p:spPr>
-          <a:xfrm>
-            <a:off x="457200" y="274637"/>
-            <a:ext cx="8229600" cy="1143000"/>
-          </a:xfrm>
-          <a:prstGeom prst="rect">
-            <a:avLst/>
-          </a:prstGeom>
-        </p:spPr>
-        <p:txBody>
-          <a:bodyPr lIns="91425" tIns="91425" rIns="91425" bIns="91425" anchor="b" anchorCtr="0"/>
-          <a:lstStyle>
-            <a:lvl1pPr rtl="0">
-              <a:spcBef>
-                <a:spcPts val="0"/>
-              </a:spcBef>
-              <a:defRPr/>
-            </a:lvl1pPr>
-            <a:lvl2pPr rtl="0">
-              <a:spcBef>
-                <a:spcPts val="0"/>
-              </a:spcBef>
-              <a:defRPr/>
-            </a:lvl2pPr>
-            <a:lvl3pPr rtl="0">
-              <a:spcBef>
-                <a:spcPts val="0"/>
-              </a:spcBef>
-              <a:defRPr/>
-            </a:lvl3pPr>
-            <a:lvl4pPr rtl="0">
-              <a:spcBef>
-                <a:spcPts val="0"/>
-              </a:spcBef>
-              <a:defRPr/>
-            </a:lvl4pPr>
-            <a:lvl5pPr rtl="0">
-              <a:spcBef>
-                <a:spcPts val="0"/>
-              </a:spcBef>
-              <a:defRPr/>
-            </a:lvl5pPr>
-            <a:lvl6pPr rtl="0">
-              <a:spcBef>
-                <a:spcPts val="0"/>
-              </a:spcBef>
-              <a:defRPr/>
-            </a:lvl6pPr>
-            <a:lvl7pPr rtl="0">
-              <a:spcBef>
-                <a:spcPts val="0"/>
-              </a:spcBef>
-              <a:defRPr/>
-            </a:lvl7pPr>
-            <a:lvl8pPr rtl="0">
-              <a:spcBef>
-                <a:spcPts val="0"/>
-              </a:spcBef>
-              <a:defRPr/>
-            </a:lvl8pPr>
-            <a:lvl9pPr rtl="0">
-              <a:spcBef>
-                <a:spcPts val="0"/>
-              </a:spcBef>
-              <a:defRPr/>
-            </a:lvl9pPr>
-          </a:lstStyle>
-          <a:p>
-            <a:endParaRPr/>
-          </a:p>
-        </p:txBody>
-      </p:sp>
       <p:sp>
         <p:nvSpPr>
           <p:cNvPr id="12" name="Shape 12"/>
@@ -4623,7 +4711,7 @@
               <a:rPr lang="en"/>
               <a:t>‹#›</a:t>
             </a:fld>
-            <a:endParaRPr lang="en"/>
+            <a:endParaRPr lang="en" dirty="0"/>
           </a:p>
         </p:txBody>
       </p:sp>
@@ -6099,7 +6187,7 @@
     <p:sldLayoutId id="2147483657" r:id="rId8"/>
     <p:sldLayoutId id="2147483658" r:id="rId9"/>
   </p:sldLayoutIdLst>
-  <p:hf sldNum="0" hdr="0" ftr="0" dt="0"/>
+  <p:hf sldNum="0" hdr="0" dt="0"/>
   <p:txStyles>
     <p:titleStyle>
       <a:defPPr marR="0" algn="l" rtl="0">
@@ -6906,6 +6994,35 @@
           </a:ln>
         </p:spPr>
       </p:pic>
+      <p:sp>
+        <p:nvSpPr>
+          <p:cNvPr id="3" name="Rectangle 2"/>
+          <p:cNvSpPr/>
+          <p:nvPr/>
+        </p:nvSpPr>
+        <p:spPr>
+          <a:xfrm>
+            <a:off x="1688344" y="6487296"/>
+            <a:ext cx="5976475" cy="276999"/>
+          </a:xfrm>
+          <a:prstGeom prst="rect">
+            <a:avLst/>
+          </a:prstGeom>
+        </p:spPr>
+        <p:txBody>
+          <a:bodyPr wrap="square">
+            <a:spAutoFit/>
+          </a:bodyPr>
+          <a:lstStyle/>
+          <a:p>
+            <a:r>
+              <a:rPr lang="en-US" sz="1200" i="1" dirty="0"/>
+              <a:t>Confidential - Do not duplicate or distribute without written permission from Red Hat</a:t>
+            </a:r>
+            <a:endParaRPr lang="en-US" sz="1200" i="1" dirty="0"/>
+          </a:p>
+        </p:txBody>
+      </p:sp>
     </p:spTree>
     <p:extLst>
       <p:ext uri="{BB962C8B-B14F-4D97-AF65-F5344CB8AC3E}">
@@ -7009,6 +7126,35 @@
           </a:p>
         </p:txBody>
       </p:sp>
+      <p:sp>
+        <p:nvSpPr>
+          <p:cNvPr id="4" name="Rectangle 3"/>
+          <p:cNvSpPr/>
+          <p:nvPr/>
+        </p:nvSpPr>
+        <p:spPr>
+          <a:xfrm>
+            <a:off x="1748108" y="6517178"/>
+            <a:ext cx="5976475" cy="276999"/>
+          </a:xfrm>
+          <a:prstGeom prst="rect">
+            <a:avLst/>
+          </a:prstGeom>
+        </p:spPr>
+        <p:txBody>
+          <a:bodyPr wrap="square">
+            <a:spAutoFit/>
+          </a:bodyPr>
+          <a:lstStyle/>
+          <a:p>
+            <a:r>
+              <a:rPr lang="en-US" sz="1200" i="1" dirty="0"/>
+              <a:t>Confidential - Do not duplicate or distribute without written permission from Red Hat</a:t>
+            </a:r>
+            <a:endParaRPr lang="en-US" sz="1200" i="1" dirty="0"/>
+          </a:p>
+        </p:txBody>
+      </p:sp>
     </p:spTree>
     <p:extLst>
       <p:ext uri="{BB962C8B-B14F-4D97-AF65-F5344CB8AC3E}">
@@ -7309,6 +7455,35 @@
           </a:ln>
         </p:spPr>
       </p:pic>
+      <p:sp>
+        <p:nvSpPr>
+          <p:cNvPr id="5" name="Rectangle 4"/>
+          <p:cNvSpPr/>
+          <p:nvPr/>
+        </p:nvSpPr>
+        <p:spPr>
+          <a:xfrm>
+            <a:off x="1329760" y="6427532"/>
+            <a:ext cx="5976475" cy="276999"/>
+          </a:xfrm>
+          <a:prstGeom prst="rect">
+            <a:avLst/>
+          </a:prstGeom>
+        </p:spPr>
+        <p:txBody>
+          <a:bodyPr wrap="square">
+            <a:spAutoFit/>
+          </a:bodyPr>
+          <a:lstStyle/>
+          <a:p>
+            <a:r>
+              <a:rPr lang="en-US" sz="1200" i="1" dirty="0"/>
+              <a:t>Confidential - Do not duplicate or distribute without written permission from Red Hat</a:t>
+            </a:r>
+            <a:endParaRPr lang="en-US" sz="1200" i="1" dirty="0"/>
+          </a:p>
+        </p:txBody>
+      </p:sp>
     </p:spTree>
     <p:extLst>
       <p:ext uri="{BB962C8B-B14F-4D97-AF65-F5344CB8AC3E}">
@@ -7671,6 +7846,35 @@
           </a:ln>
         </p:spPr>
       </p:pic>
+      <p:sp>
+        <p:nvSpPr>
+          <p:cNvPr id="8" name="Rectangle 7"/>
+          <p:cNvSpPr/>
+          <p:nvPr/>
+        </p:nvSpPr>
+        <p:spPr>
+          <a:xfrm>
+            <a:off x="1329760" y="6427532"/>
+            <a:ext cx="5976475" cy="276999"/>
+          </a:xfrm>
+          <a:prstGeom prst="rect">
+            <a:avLst/>
+          </a:prstGeom>
+        </p:spPr>
+        <p:txBody>
+          <a:bodyPr wrap="square">
+            <a:spAutoFit/>
+          </a:bodyPr>
+          <a:lstStyle/>
+          <a:p>
+            <a:r>
+              <a:rPr lang="en-US" sz="1200" i="1" dirty="0"/>
+              <a:t>Confidential - Do not duplicate or distribute without written permission from Red Hat</a:t>
+            </a:r>
+            <a:endParaRPr lang="en-US" sz="1200" i="1" dirty="0"/>
+          </a:p>
+        </p:txBody>
+      </p:sp>
     </p:spTree>
     <p:extLst>
       <p:ext uri="{BB962C8B-B14F-4D97-AF65-F5344CB8AC3E}">
@@ -9345,6 +9549,35 @@
           </a:p>
         </p:txBody>
       </p:sp>
+      <p:sp>
+        <p:nvSpPr>
+          <p:cNvPr id="4" name="Rectangle 3"/>
+          <p:cNvSpPr/>
+          <p:nvPr/>
+        </p:nvSpPr>
+        <p:spPr>
+          <a:xfrm>
+            <a:off x="1329760" y="6427532"/>
+            <a:ext cx="5976475" cy="276999"/>
+          </a:xfrm>
+          <a:prstGeom prst="rect">
+            <a:avLst/>
+          </a:prstGeom>
+        </p:spPr>
+        <p:txBody>
+          <a:bodyPr wrap="square">
+            <a:spAutoFit/>
+          </a:bodyPr>
+          <a:lstStyle/>
+          <a:p>
+            <a:r>
+              <a:rPr lang="en-US" sz="1200" i="1" dirty="0"/>
+              <a:t>Confidential - Do not duplicate or distribute without written permission from Red Hat</a:t>
+            </a:r>
+            <a:endParaRPr lang="en-US" sz="1200" i="1" dirty="0"/>
+          </a:p>
+        </p:txBody>
+      </p:sp>
     </p:spTree>
     <p:extLst>
       <p:ext uri="{BB962C8B-B14F-4D97-AF65-F5344CB8AC3E}">
@@ -9486,6 +9719,35 @@
           </a:p>
         </p:txBody>
       </p:sp>
+      <p:sp>
+        <p:nvSpPr>
+          <p:cNvPr id="5" name="Rectangle 4"/>
+          <p:cNvSpPr/>
+          <p:nvPr/>
+        </p:nvSpPr>
+        <p:spPr>
+          <a:xfrm>
+            <a:off x="1329760" y="6427532"/>
+            <a:ext cx="5976475" cy="276999"/>
+          </a:xfrm>
+          <a:prstGeom prst="rect">
+            <a:avLst/>
+          </a:prstGeom>
+        </p:spPr>
+        <p:txBody>
+          <a:bodyPr wrap="square">
+            <a:spAutoFit/>
+          </a:bodyPr>
+          <a:lstStyle/>
+          <a:p>
+            <a:r>
+              <a:rPr lang="en-US" sz="1200" i="1" dirty="0"/>
+              <a:t>Confidential - Do not duplicate or distribute without written permission from Red Hat</a:t>
+            </a:r>
+            <a:endParaRPr lang="en-US" sz="1200" i="1" dirty="0"/>
+          </a:p>
+        </p:txBody>
+      </p:sp>
     </p:spTree>
     <p:extLst>
       <p:ext uri="{BB962C8B-B14F-4D97-AF65-F5344CB8AC3E}">
@@ -9627,6 +9889,35 @@
           </a:ln>
         </p:spPr>
       </p:pic>
+      <p:sp>
+        <p:nvSpPr>
+          <p:cNvPr id="5" name="Rectangle 4"/>
+          <p:cNvSpPr/>
+          <p:nvPr/>
+        </p:nvSpPr>
+        <p:spPr>
+          <a:xfrm>
+            <a:off x="1329760" y="6427532"/>
+            <a:ext cx="5976475" cy="276999"/>
+          </a:xfrm>
+          <a:prstGeom prst="rect">
+            <a:avLst/>
+          </a:prstGeom>
+        </p:spPr>
+        <p:txBody>
+          <a:bodyPr wrap="square">
+            <a:spAutoFit/>
+          </a:bodyPr>
+          <a:lstStyle/>
+          <a:p>
+            <a:r>
+              <a:rPr lang="en-US" sz="1200" i="1" dirty="0"/>
+              <a:t>Confidential - Do not duplicate or distribute without written permission from Red Hat</a:t>
+            </a:r>
+            <a:endParaRPr lang="en-US" sz="1200" i="1" dirty="0"/>
+          </a:p>
+        </p:txBody>
+      </p:sp>
     </p:spTree>
     <p:extLst>
       <p:ext uri="{BB962C8B-B14F-4D97-AF65-F5344CB8AC3E}">
@@ -9730,6 +10021,35 @@
           </a:p>
         </p:txBody>
       </p:sp>
+      <p:sp>
+        <p:nvSpPr>
+          <p:cNvPr id="4" name="Rectangle 3"/>
+          <p:cNvSpPr/>
+          <p:nvPr/>
+        </p:nvSpPr>
+        <p:spPr>
+          <a:xfrm>
+            <a:off x="1329760" y="6427532"/>
+            <a:ext cx="5976475" cy="276999"/>
+          </a:xfrm>
+          <a:prstGeom prst="rect">
+            <a:avLst/>
+          </a:prstGeom>
+        </p:spPr>
+        <p:txBody>
+          <a:bodyPr wrap="square">
+            <a:spAutoFit/>
+          </a:bodyPr>
+          <a:lstStyle/>
+          <a:p>
+            <a:r>
+              <a:rPr lang="en-US" sz="1200" i="1" dirty="0"/>
+              <a:t>Confidential - Do not duplicate or distribute without written permission from Red Hat</a:t>
+            </a:r>
+            <a:endParaRPr lang="en-US" sz="1200" i="1" dirty="0"/>
+          </a:p>
+        </p:txBody>
+      </p:sp>
     </p:spTree>
     <p:extLst>
       <p:ext uri="{BB962C8B-B14F-4D97-AF65-F5344CB8AC3E}">
@@ -9873,6 +10193,35 @@
           </a:p>
         </p:txBody>
       </p:sp>
+      <p:sp>
+        <p:nvSpPr>
+          <p:cNvPr id="4" name="Rectangle 3"/>
+          <p:cNvSpPr/>
+          <p:nvPr/>
+        </p:nvSpPr>
+        <p:spPr>
+          <a:xfrm>
+            <a:off x="1329760" y="6427532"/>
+            <a:ext cx="5976475" cy="276999"/>
+          </a:xfrm>
+          <a:prstGeom prst="rect">
+            <a:avLst/>
+          </a:prstGeom>
+        </p:spPr>
+        <p:txBody>
+          <a:bodyPr wrap="square">
+            <a:spAutoFit/>
+          </a:bodyPr>
+          <a:lstStyle/>
+          <a:p>
+            <a:r>
+              <a:rPr lang="en-US" sz="1200" i="1" dirty="0"/>
+              <a:t>Confidential - Do not duplicate or distribute without written permission from Red Hat</a:t>
+            </a:r>
+            <a:endParaRPr lang="en-US" sz="1200" i="1" dirty="0"/>
+          </a:p>
+        </p:txBody>
+      </p:sp>
     </p:spTree>
     <p:extLst>
       <p:ext uri="{BB962C8B-B14F-4D97-AF65-F5344CB8AC3E}">
@@ -9991,7 +10340,7 @@
             <a:spLocks noGrp="1"/>
           </p:cNvSpPr>
           <p:nvPr>
-            <p:ph type="title"/>
+            <p:ph type="title" idx="4294967295"/>
           </p:nvPr>
         </p:nvSpPr>
         <p:spPr>
@@ -10063,7 +10412,7 @@
               <a:buFont typeface="Open Sans"/>
             </a:pPr>
             <a:r>
-              <a:rPr lang="en" sz="1400">
+              <a:rPr lang="en" sz="1400" dirty="0">
                 <a:latin typeface="Open Sans"/>
                 <a:ea typeface="Open Sans"/>
                 <a:cs typeface="Open Sans"/>
@@ -10084,7 +10433,7 @@
               <a:buFont typeface="Open Sans"/>
             </a:pPr>
             <a:r>
-              <a:rPr lang="en" sz="1400">
+              <a:rPr lang="en" sz="1400" dirty="0">
                 <a:latin typeface="Open Sans"/>
                 <a:ea typeface="Open Sans"/>
                 <a:cs typeface="Open Sans"/>
@@ -10105,7 +10454,7 @@
               <a:buFont typeface="Open Sans"/>
             </a:pPr>
             <a:r>
-              <a:rPr lang="en" sz="1400">
+              <a:rPr lang="en" sz="1400" dirty="0">
                 <a:latin typeface="Open Sans"/>
                 <a:ea typeface="Open Sans"/>
                 <a:cs typeface="Open Sans"/>
@@ -10126,7 +10475,7 @@
               <a:buFont typeface="Open Sans"/>
             </a:pPr>
             <a:r>
-              <a:rPr lang="en" sz="1400">
+              <a:rPr lang="en" sz="1400" dirty="0">
                 <a:latin typeface="Open Sans"/>
                 <a:ea typeface="Open Sans"/>
                 <a:cs typeface="Open Sans"/>
@@ -10147,7 +10496,7 @@
               <a:buFont typeface="Open Sans"/>
             </a:pPr>
             <a:r>
-              <a:rPr lang="en" sz="1400">
+              <a:rPr lang="en" sz="1400" dirty="0">
                 <a:latin typeface="Open Sans"/>
                 <a:ea typeface="Open Sans"/>
                 <a:cs typeface="Open Sans"/>
@@ -10168,7 +10517,7 @@
               <a:buFont typeface="Open Sans"/>
             </a:pPr>
             <a:r>
-              <a:rPr lang="en" sz="1400">
+              <a:rPr lang="en" sz="1400" dirty="0">
                 <a:latin typeface="Open Sans"/>
                 <a:ea typeface="Open Sans"/>
                 <a:cs typeface="Open Sans"/>
@@ -10189,7 +10538,7 @@
               <a:buFont typeface="Open Sans"/>
             </a:pPr>
             <a:r>
-              <a:rPr lang="en" sz="1400">
+              <a:rPr lang="en" sz="1400" dirty="0">
                 <a:latin typeface="Open Sans"/>
                 <a:ea typeface="Open Sans"/>
                 <a:cs typeface="Open Sans"/>
@@ -10210,7 +10559,7 @@
               <a:buFont typeface="Open Sans"/>
             </a:pPr>
             <a:r>
-              <a:rPr lang="en" sz="1400">
+              <a:rPr lang="en" sz="1400" dirty="0">
                 <a:latin typeface="Open Sans"/>
                 <a:ea typeface="Open Sans"/>
                 <a:cs typeface="Open Sans"/>
@@ -10231,7 +10580,7 @@
               <a:buFont typeface="Open Sans"/>
             </a:pPr>
             <a:r>
-              <a:rPr lang="en" sz="1400">
+              <a:rPr lang="en" sz="1400" dirty="0">
                 <a:latin typeface="Open Sans"/>
                 <a:ea typeface="Open Sans"/>
                 <a:cs typeface="Open Sans"/>
@@ -10252,7 +10601,7 @@
               <a:buFont typeface="Open Sans"/>
             </a:pPr>
             <a:r>
-              <a:rPr lang="en" sz="1400">
+              <a:rPr lang="en" sz="1400" dirty="0">
                 <a:latin typeface="Open Sans"/>
                 <a:ea typeface="Open Sans"/>
                 <a:cs typeface="Open Sans"/>
@@ -10273,7 +10622,7 @@
               <a:buFont typeface="Open Sans"/>
             </a:pPr>
             <a:r>
-              <a:rPr lang="en" sz="1400">
+              <a:rPr lang="en" sz="1400" dirty="0">
                 <a:latin typeface="Open Sans"/>
                 <a:ea typeface="Open Sans"/>
                 <a:cs typeface="Open Sans"/>
@@ -10281,6 +10630,61 @@
               </a:rPr>
               <a:t>Deep integration with Spring Framework, OSGi, and Java EE</a:t>
             </a:r>
+          </a:p>
+        </p:txBody>
+      </p:sp>
+      <p:sp>
+        <p:nvSpPr>
+          <p:cNvPr id="3" name="TextBox 2"/>
+          <p:cNvSpPr txBox="1"/>
+          <p:nvPr/>
+        </p:nvSpPr>
+        <p:spPr>
+          <a:xfrm>
+            <a:off x="1150470" y="6125882"/>
+            <a:ext cx="2704353" cy="307777"/>
+          </a:xfrm>
+          <a:prstGeom prst="rect">
+            <a:avLst/>
+          </a:prstGeom>
+          <a:noFill/>
+        </p:spPr>
+        <p:txBody>
+          <a:bodyPr wrap="square" rtlCol="0">
+            <a:spAutoFit/>
+          </a:bodyPr>
+          <a:lstStyle/>
+          <a:p>
+            <a:endParaRPr lang="en-US" dirty="0"/>
+          </a:p>
+        </p:txBody>
+      </p:sp>
+      <p:sp>
+        <p:nvSpPr>
+          <p:cNvPr id="5" name="Rectangle 4"/>
+          <p:cNvSpPr/>
+          <p:nvPr/>
+        </p:nvSpPr>
+        <p:spPr>
+          <a:xfrm>
+            <a:off x="1329760" y="6427532"/>
+            <a:ext cx="5976475" cy="276999"/>
+          </a:xfrm>
+          <a:prstGeom prst="rect">
+            <a:avLst/>
+          </a:prstGeom>
+        </p:spPr>
+        <p:txBody>
+          <a:bodyPr wrap="square">
+            <a:spAutoFit/>
+          </a:bodyPr>
+          <a:lstStyle/>
+          <a:p>
+            <a:r>
+              <a:rPr lang="en-US" sz="1200" i="1" dirty="0"/>
+              <a:t>Confidential - Do not duplicate or distribute without written permission from Red Hat</a:t>
+            </a:r>
+            <a:endParaRPr lang="en-US" sz="1200" i="1" dirty="0"/>
           </a:p>
         </p:txBody>
       </p:sp>
@@ -10464,6 +10868,35 @@
               <a:t>, or cross datacenter replication tools. You would still want a high speed network link across datacenters. 	</a:t>
             </a:r>
             <a:endParaRPr lang="en-US" sz="2000" dirty="0" smtClean="0"/>
+          </a:p>
+        </p:txBody>
+      </p:sp>
+      <p:sp>
+        <p:nvSpPr>
+          <p:cNvPr id="4" name="Rectangle 3"/>
+          <p:cNvSpPr/>
+          <p:nvPr/>
+        </p:nvSpPr>
+        <p:spPr>
+          <a:xfrm>
+            <a:off x="1329760" y="6427532"/>
+            <a:ext cx="5976475" cy="276999"/>
+          </a:xfrm>
+          <a:prstGeom prst="rect">
+            <a:avLst/>
+          </a:prstGeom>
+        </p:spPr>
+        <p:txBody>
+          <a:bodyPr wrap="square">
+            <a:spAutoFit/>
+          </a:bodyPr>
+          <a:lstStyle/>
+          <a:p>
+            <a:r>
+              <a:rPr lang="en-US" sz="1200" i="1" dirty="0"/>
+              <a:t>Confidential - Do not duplicate or distribute without written permission from Red Hat</a:t>
+            </a:r>
+            <a:endParaRPr lang="en-US" sz="1200" i="1" dirty="0"/>
           </a:p>
         </p:txBody>
       </p:sp>
@@ -10562,6 +10995,35 @@
           </a:p>
         </p:txBody>
       </p:sp>
+      <p:sp>
+        <p:nvSpPr>
+          <p:cNvPr id="4" name="Rectangle 3"/>
+          <p:cNvSpPr/>
+          <p:nvPr/>
+        </p:nvSpPr>
+        <p:spPr>
+          <a:xfrm>
+            <a:off x="1329760" y="6427532"/>
+            <a:ext cx="5976475" cy="276999"/>
+          </a:xfrm>
+          <a:prstGeom prst="rect">
+            <a:avLst/>
+          </a:prstGeom>
+        </p:spPr>
+        <p:txBody>
+          <a:bodyPr wrap="square">
+            <a:spAutoFit/>
+          </a:bodyPr>
+          <a:lstStyle/>
+          <a:p>
+            <a:r>
+              <a:rPr lang="en-US" sz="1200" i="1" dirty="0"/>
+              <a:t>Confidential - Do not duplicate or distribute without written permission from Red Hat</a:t>
+            </a:r>
+            <a:endParaRPr lang="en-US" sz="1200" i="1" dirty="0"/>
+          </a:p>
+        </p:txBody>
+      </p:sp>
     </p:spTree>
     <p:extLst>
       <p:ext uri="{BB962C8B-B14F-4D97-AF65-F5344CB8AC3E}">
@@ -10758,6 +11220,35 @@
               <a:t>scalable core messaging runtime. </a:t>
             </a:r>
             <a:endParaRPr lang="en" sz="2000" dirty="0"/>
+          </a:p>
+        </p:txBody>
+      </p:sp>
+      <p:sp>
+        <p:nvSpPr>
+          <p:cNvPr id="4" name="Rectangle 3"/>
+          <p:cNvSpPr/>
+          <p:nvPr/>
+        </p:nvSpPr>
+        <p:spPr>
+          <a:xfrm>
+            <a:off x="1329760" y="6427532"/>
+            <a:ext cx="5976475" cy="276999"/>
+          </a:xfrm>
+          <a:prstGeom prst="rect">
+            <a:avLst/>
+          </a:prstGeom>
+        </p:spPr>
+        <p:txBody>
+          <a:bodyPr wrap="square">
+            <a:spAutoFit/>
+          </a:bodyPr>
+          <a:lstStyle/>
+          <a:p>
+            <a:r>
+              <a:rPr lang="en-US" sz="1200" i="1" dirty="0"/>
+              <a:t>Confidential - Do not duplicate or distribute without written permission from Red Hat</a:t>
+            </a:r>
+            <a:endParaRPr lang="en-US" sz="1200" i="1" dirty="0"/>
           </a:p>
         </p:txBody>
       </p:sp>
@@ -11257,6 +11748,35 @@
           </a:p>
         </p:txBody>
       </p:sp>
+      <p:sp>
+        <p:nvSpPr>
+          <p:cNvPr id="4" name="Rectangle 3"/>
+          <p:cNvSpPr/>
+          <p:nvPr/>
+        </p:nvSpPr>
+        <p:spPr>
+          <a:xfrm>
+            <a:off x="1329760" y="6427532"/>
+            <a:ext cx="5976475" cy="276999"/>
+          </a:xfrm>
+          <a:prstGeom prst="rect">
+            <a:avLst/>
+          </a:prstGeom>
+        </p:spPr>
+        <p:txBody>
+          <a:bodyPr wrap="square">
+            <a:spAutoFit/>
+          </a:bodyPr>
+          <a:lstStyle/>
+          <a:p>
+            <a:r>
+              <a:rPr lang="en-US" sz="1200" i="1" dirty="0"/>
+              <a:t>Confidential - Do not duplicate or distribute without written permission from Red Hat</a:t>
+            </a:r>
+            <a:endParaRPr lang="en-US" sz="1200" i="1" dirty="0"/>
+          </a:p>
+        </p:txBody>
+      </p:sp>
     </p:spTree>
     <p:extLst>
       <p:ext uri="{BB962C8B-B14F-4D97-AF65-F5344CB8AC3E}">
@@ -11413,6 +11933,35 @@
               <a:t>from static infrastructure</a:t>
             </a:r>
             <a:endParaRPr lang="en" sz="2000" dirty="0"/>
+          </a:p>
+        </p:txBody>
+      </p:sp>
+      <p:sp>
+        <p:nvSpPr>
+          <p:cNvPr id="4" name="Rectangle 3"/>
+          <p:cNvSpPr/>
+          <p:nvPr/>
+        </p:nvSpPr>
+        <p:spPr>
+          <a:xfrm>
+            <a:off x="1329760" y="6427532"/>
+            <a:ext cx="5976475" cy="276999"/>
+          </a:xfrm>
+          <a:prstGeom prst="rect">
+            <a:avLst/>
+          </a:prstGeom>
+        </p:spPr>
+        <p:txBody>
+          <a:bodyPr wrap="square">
+            <a:spAutoFit/>
+          </a:bodyPr>
+          <a:lstStyle/>
+          <a:p>
+            <a:r>
+              <a:rPr lang="en-US" sz="1200" i="1" dirty="0"/>
+              <a:t>Confidential - Do not duplicate or distribute without written permission from Red Hat</a:t>
+            </a:r>
+            <a:endParaRPr lang="en-US" sz="1200" i="1" dirty="0"/>
           </a:p>
         </p:txBody>
       </p:sp>
@@ -12720,6 +13269,35 @@
           </a:graphicData>
         </a:graphic>
       </p:graphicFrame>
+      <p:sp>
+        <p:nvSpPr>
+          <p:cNvPr id="5" name="Rectangle 4"/>
+          <p:cNvSpPr/>
+          <p:nvPr/>
+        </p:nvSpPr>
+        <p:spPr>
+          <a:xfrm>
+            <a:off x="1329760" y="6427532"/>
+            <a:ext cx="5976475" cy="276999"/>
+          </a:xfrm>
+          <a:prstGeom prst="rect">
+            <a:avLst/>
+          </a:prstGeom>
+        </p:spPr>
+        <p:txBody>
+          <a:bodyPr wrap="square">
+            <a:spAutoFit/>
+          </a:bodyPr>
+          <a:lstStyle/>
+          <a:p>
+            <a:r>
+              <a:rPr lang="en-US" sz="1200" i="1" dirty="0"/>
+              <a:t>Confidential - Do not duplicate or distribute without written permission from Red Hat</a:t>
+            </a:r>
+            <a:endParaRPr lang="en-US" sz="1200" i="1" dirty="0"/>
+          </a:p>
+        </p:txBody>
+      </p:sp>
     </p:spTree>
   </p:cSld>
   <p:clrMapOvr>
@@ -12836,7 +13414,7 @@
             <a:spLocks noGrp="1"/>
           </p:cNvSpPr>
           <p:nvPr>
-            <p:ph type="title"/>
+            <p:ph type="title" idx="4294967295"/>
           </p:nvPr>
         </p:nvSpPr>
         <p:spPr>
@@ -13096,6 +13674,35 @@
               </a:rPr>
               <a:t>&lt;broker persistent=“false”&gt;</a:t>
             </a:r>
+          </a:p>
+        </p:txBody>
+      </p:sp>
+      <p:sp>
+        <p:nvSpPr>
+          <p:cNvPr id="6" name="Rectangle 5"/>
+          <p:cNvSpPr/>
+          <p:nvPr/>
+        </p:nvSpPr>
+        <p:spPr>
+          <a:xfrm>
+            <a:off x="1329760" y="6427532"/>
+            <a:ext cx="5976475" cy="276999"/>
+          </a:xfrm>
+          <a:prstGeom prst="rect">
+            <a:avLst/>
+          </a:prstGeom>
+        </p:spPr>
+        <p:txBody>
+          <a:bodyPr wrap="square">
+            <a:spAutoFit/>
+          </a:bodyPr>
+          <a:lstStyle/>
+          <a:p>
+            <a:r>
+              <a:rPr lang="en-US" sz="1200" i="1" dirty="0"/>
+              <a:t>Confidential - Do not duplicate or distribute without written permission from Red Hat</a:t>
+            </a:r>
+            <a:endParaRPr lang="en-US" sz="1200" i="1" dirty="0"/>
           </a:p>
         </p:txBody>
       </p:sp>
@@ -13220,7 +13827,7 @@
             <a:spLocks noGrp="1"/>
           </p:cNvSpPr>
           <p:nvPr>
-            <p:ph type="title"/>
+            <p:ph type="title" idx="4294967295"/>
           </p:nvPr>
         </p:nvSpPr>
         <p:spPr>
@@ -13561,6 +14168,35 @@
               </a:rPr>
               <a:t>Brokers can be configured to prioritize local &amp; nearby brokers to reduce network traffic</a:t>
             </a:r>
+          </a:p>
+        </p:txBody>
+      </p:sp>
+      <p:sp>
+        <p:nvSpPr>
+          <p:cNvPr id="6" name="Rectangle 5"/>
+          <p:cNvSpPr/>
+          <p:nvPr/>
+        </p:nvSpPr>
+        <p:spPr>
+          <a:xfrm>
+            <a:off x="1329760" y="6427532"/>
+            <a:ext cx="5976475" cy="276999"/>
+          </a:xfrm>
+          <a:prstGeom prst="rect">
+            <a:avLst/>
+          </a:prstGeom>
+        </p:spPr>
+        <p:txBody>
+          <a:bodyPr wrap="square">
+            <a:spAutoFit/>
+          </a:bodyPr>
+          <a:lstStyle/>
+          <a:p>
+            <a:r>
+              <a:rPr lang="en-US" sz="1200" i="1" dirty="0"/>
+              <a:t>Confidential - Do not duplicate or distribute without written permission from Red Hat</a:t>
+            </a:r>
+            <a:endParaRPr lang="en-US" sz="1200" i="1" dirty="0"/>
           </a:p>
         </p:txBody>
       </p:sp>
@@ -13685,7 +14321,7 @@
             <a:spLocks noGrp="1"/>
           </p:cNvSpPr>
           <p:nvPr>
-            <p:ph type="title"/>
+            <p:ph type="title" idx="4294967295"/>
           </p:nvPr>
         </p:nvSpPr>
         <p:spPr>
@@ -13749,6 +14385,35 @@
           </a:ln>
         </p:spPr>
       </p:pic>
+      <p:sp>
+        <p:nvSpPr>
+          <p:cNvPr id="6" name="Rectangle 5"/>
+          <p:cNvSpPr/>
+          <p:nvPr/>
+        </p:nvSpPr>
+        <p:spPr>
+          <a:xfrm>
+            <a:off x="1464229" y="6576942"/>
+            <a:ext cx="5976475" cy="276999"/>
+          </a:xfrm>
+          <a:prstGeom prst="rect">
+            <a:avLst/>
+          </a:prstGeom>
+        </p:spPr>
+        <p:txBody>
+          <a:bodyPr wrap="square">
+            <a:spAutoFit/>
+          </a:bodyPr>
+          <a:lstStyle/>
+          <a:p>
+            <a:r>
+              <a:rPr lang="en-US" sz="1200" i="1" dirty="0"/>
+              <a:t>Confidential - Do not duplicate or distribute without written permission from Red Hat</a:t>
+            </a:r>
+            <a:endParaRPr lang="en-US" sz="1200" i="1" dirty="0"/>
+          </a:p>
+        </p:txBody>
+      </p:sp>
     </p:spTree>
     <p:extLst>
       <p:ext uri="{BB962C8B-B14F-4D97-AF65-F5344CB8AC3E}">
@@ -13870,7 +14535,7 @@
             <a:spLocks noGrp="1"/>
           </p:cNvSpPr>
           <p:nvPr>
-            <p:ph type="title"/>
+            <p:ph type="title" idx="4294967295"/>
           </p:nvPr>
         </p:nvSpPr>
         <p:spPr>
@@ -13934,6 +14599,35 @@
           </a:ln>
         </p:spPr>
       </p:pic>
+      <p:sp>
+        <p:nvSpPr>
+          <p:cNvPr id="6" name="Rectangle 5"/>
+          <p:cNvSpPr/>
+          <p:nvPr/>
+        </p:nvSpPr>
+        <p:spPr>
+          <a:xfrm>
+            <a:off x="1329760" y="6427532"/>
+            <a:ext cx="5976475" cy="276999"/>
+          </a:xfrm>
+          <a:prstGeom prst="rect">
+            <a:avLst/>
+          </a:prstGeom>
+        </p:spPr>
+        <p:txBody>
+          <a:bodyPr wrap="square">
+            <a:spAutoFit/>
+          </a:bodyPr>
+          <a:lstStyle/>
+          <a:p>
+            <a:r>
+              <a:rPr lang="en-US" sz="1200" i="1" dirty="0"/>
+              <a:t>Confidential - Do not duplicate or distribute without written permission from Red Hat</a:t>
+            </a:r>
+            <a:endParaRPr lang="en-US" sz="1200" i="1" dirty="0"/>
+          </a:p>
+        </p:txBody>
+      </p:sp>
     </p:spTree>
     <p:extLst>
       <p:ext uri="{BB962C8B-B14F-4D97-AF65-F5344CB8AC3E}">
@@ -14055,7 +14749,7 @@
             <a:spLocks noGrp="1"/>
           </p:cNvSpPr>
           <p:nvPr>
-            <p:ph type="title"/>
+            <p:ph type="title" idx="4294967295"/>
           </p:nvPr>
         </p:nvSpPr>
         <p:spPr>
@@ -14119,6 +14813,35 @@
           </a:ln>
         </p:spPr>
       </p:pic>
+      <p:sp>
+        <p:nvSpPr>
+          <p:cNvPr id="6" name="Rectangle 5"/>
+          <p:cNvSpPr/>
+          <p:nvPr/>
+        </p:nvSpPr>
+        <p:spPr>
+          <a:xfrm>
+            <a:off x="1329760" y="6427532"/>
+            <a:ext cx="5976475" cy="276999"/>
+          </a:xfrm>
+          <a:prstGeom prst="rect">
+            <a:avLst/>
+          </a:prstGeom>
+        </p:spPr>
+        <p:txBody>
+          <a:bodyPr wrap="square">
+            <a:spAutoFit/>
+          </a:bodyPr>
+          <a:lstStyle/>
+          <a:p>
+            <a:r>
+              <a:rPr lang="en-US" sz="1200" i="1" dirty="0"/>
+              <a:t>Confidential - Do not duplicate or distribute without written permission from Red Hat</a:t>
+            </a:r>
+            <a:endParaRPr lang="en-US" sz="1200" i="1" dirty="0"/>
+          </a:p>
+        </p:txBody>
+      </p:sp>
     </p:spTree>
     <p:extLst>
       <p:ext uri="{BB962C8B-B14F-4D97-AF65-F5344CB8AC3E}">
@@ -14240,7 +14963,7 @@
             <a:spLocks noGrp="1"/>
           </p:cNvSpPr>
           <p:nvPr>
-            <p:ph type="title"/>
+            <p:ph type="title" idx="4294967295"/>
           </p:nvPr>
         </p:nvSpPr>
         <p:spPr>
@@ -14395,6 +15118,35 @@
               </a:rPr>
               <a:t>http://activemq.apache.org/</a:t>
             </a:r>
+          </a:p>
+        </p:txBody>
+      </p:sp>
+      <p:sp>
+        <p:nvSpPr>
+          <p:cNvPr id="7" name="Rectangle 6"/>
+          <p:cNvSpPr/>
+          <p:nvPr/>
+        </p:nvSpPr>
+        <p:spPr>
+          <a:xfrm>
+            <a:off x="1583757" y="6621765"/>
+            <a:ext cx="5976475" cy="276999"/>
+          </a:xfrm>
+          <a:prstGeom prst="rect">
+            <a:avLst/>
+          </a:prstGeom>
+        </p:spPr>
+        <p:txBody>
+          <a:bodyPr wrap="square">
+            <a:spAutoFit/>
+          </a:bodyPr>
+          <a:lstStyle/>
+          <a:p>
+            <a:r>
+              <a:rPr lang="en-US" sz="1200" i="1" dirty="0"/>
+              <a:t>Confidential - Do not duplicate or distribute without written permission from Red Hat</a:t>
+            </a:r>
+            <a:endParaRPr lang="en-US" sz="1200" i="1" dirty="0"/>
           </a:p>
         </p:txBody>
       </p:sp>
@@ -14981,4 +15733,324 @@
   <a:objectDefaults/>
   <a:extraClrSchemeLst/>
 </a:theme>
+</file>
+
+<file path=ppt/theme/theme3.xml><?xml version="1.0" encoding="utf-8"?>
+<a:theme xmlns:a="http://schemas.openxmlformats.org/drawingml/2006/main" name="Office Theme">
+  <a:themeElements>
+    <a:clrScheme name="Office">
+      <a:dk1>
+        <a:sysClr val="windowText" lastClr="000000"/>
+      </a:dk1>
+      <a:lt1>
+        <a:sysClr val="window" lastClr="FFFFFF"/>
+      </a:lt1>
+      <a:dk2>
+        <a:srgbClr val="1F497D"/>
+      </a:dk2>
+      <a:lt2>
+        <a:srgbClr val="EEECE1"/>
+      </a:lt2>
+      <a:accent1>
+        <a:srgbClr val="4F81BD"/>
+      </a:accent1>
+      <a:accent2>
+        <a:srgbClr val="C0504D"/>
+      </a:accent2>
+      <a:accent3>
+        <a:srgbClr val="9BBB59"/>
+      </a:accent3>
+      <a:accent4>
+        <a:srgbClr val="8064A2"/>
+      </a:accent4>
+      <a:accent5>
+        <a:srgbClr val="4BACC6"/>
+      </a:accent5>
+      <a:accent6>
+        <a:srgbClr val="F79646"/>
+      </a:accent6>
+      <a:hlink>
+        <a:srgbClr val="0000FF"/>
+      </a:hlink>
+      <a:folHlink>
+        <a:srgbClr val="800080"/>
+      </a:folHlink>
+    </a:clrScheme>
+    <a:fontScheme name="Office">
+      <a:majorFont>
+        <a:latin typeface="Calibri"/>
+        <a:ea typeface=""/>
+        <a:cs typeface=""/>
+        <a:font script="Jpan" typeface="ＭＳ Ｐゴシック"/>
+        <a:font script="Hang" typeface="맑은 고딕"/>
+        <a:font script="Hans" typeface="宋体"/>
+        <a:font script="Hant" typeface="新細明體"/>
+        <a:font script="Arab" typeface="Times New Roman"/>
+        <a:font script="Hebr" typeface="Times New Roman"/>
+        <a:font script="Thai" typeface="Angsana New"/>
+        <a:font script="Ethi" typeface="Nyala"/>
+        <a:font script="Beng" typeface="Vrinda"/>
+        <a:font script="Gujr" typeface="Shruti"/>
+        <a:font script="Khmr" typeface="MoolBoran"/>
+        <a:font script="Knda" typeface="Tunga"/>
+        <a:font script="Guru" typeface="Raavi"/>
+        <a:font script="Cans" typeface="Euphemia"/>
+        <a:font script="Cher" typeface="Plantagenet Cherokee"/>
+        <a:font script="Yiii" typeface="Microsoft Yi Baiti"/>
+        <a:font script="Tibt" typeface="Microsoft Himalaya"/>
+        <a:font script="Thaa" typeface="MV Boli"/>
+        <a:font script="Deva" typeface="Mangal"/>
+        <a:font script="Telu" typeface="Gautami"/>
+        <a:font script="Taml" typeface="Latha"/>
+        <a:font script="Syrc" typeface="Estrangelo Edessa"/>
+        <a:font script="Orya" typeface="Kalinga"/>
+        <a:font script="Mlym" typeface="Kartika"/>
+        <a:font script="Laoo" typeface="DokChampa"/>
+        <a:font script="Sinh" typeface="Iskoola Pota"/>
+        <a:font script="Mong" typeface="Mongolian Baiti"/>
+        <a:font script="Viet" typeface="Times New Roman"/>
+        <a:font script="Uigh" typeface="Microsoft Uighur"/>
+        <a:font script="Geor" typeface="Sylfaen"/>
+      </a:majorFont>
+      <a:minorFont>
+        <a:latin typeface="Calibri"/>
+        <a:ea typeface=""/>
+        <a:cs typeface=""/>
+        <a:font script="Jpan" typeface="ＭＳ Ｐゴシック"/>
+        <a:font script="Hang" typeface="맑은 고딕"/>
+        <a:font script="Hans" typeface="宋体"/>
+        <a:font script="Hant" typeface="新細明體"/>
+        <a:font script="Arab" typeface="Arial"/>
+        <a:font script="Hebr" typeface="Arial"/>
+        <a:font script="Thai" typeface="Cordia New"/>
+        <a:font script="Ethi" typeface="Nyala"/>
+        <a:font script="Beng" typeface="Vrinda"/>
+        <a:font script="Gujr" typeface="Shruti"/>
+        <a:font script="Khmr" typeface="DaunPenh"/>
+        <a:font script="Knda" typeface="Tunga"/>
+        <a:font script="Guru" typeface="Raavi"/>
+        <a:font script="Cans" typeface="Euphemia"/>
+        <a:font script="Cher" typeface="Plantagenet Cherokee"/>
+        <a:font script="Yiii" typeface="Microsoft Yi Baiti"/>
+        <a:font script="Tibt" typeface="Microsoft Himalaya"/>
+        <a:font script="Thaa" typeface="MV Boli"/>
+        <a:font script="Deva" typeface="Mangal"/>
+        <a:font script="Telu" typeface="Gautami"/>
+        <a:font script="Taml" typeface="Latha"/>
+        <a:font script="Syrc" typeface="Estrangelo Edessa"/>
+        <a:font script="Orya" typeface="Kalinga"/>
+        <a:font script="Mlym" typeface="Kartika"/>
+        <a:font script="Laoo" typeface="DokChampa"/>
+        <a:font script="Sinh" typeface="Iskoola Pota"/>
+        <a:font script="Mong" typeface="Mongolian Baiti"/>
+        <a:font script="Viet" typeface="Arial"/>
+        <a:font script="Uigh" typeface="Microsoft Uighur"/>
+        <a:font script="Geor" typeface="Sylfaen"/>
+      </a:minorFont>
+    </a:fontScheme>
+    <a:fmtScheme name="Office">
+      <a:fillStyleLst>
+        <a:solidFill>
+          <a:schemeClr val="phClr"/>
+        </a:solidFill>
+        <a:gradFill rotWithShape="1">
+          <a:gsLst>
+            <a:gs pos="0">
+              <a:schemeClr val="phClr">
+                <a:tint val="50000"/>
+                <a:satMod val="300000"/>
+              </a:schemeClr>
+            </a:gs>
+            <a:gs pos="35000">
+              <a:schemeClr val="phClr">
+                <a:tint val="37000"/>
+                <a:satMod val="300000"/>
+              </a:schemeClr>
+            </a:gs>
+            <a:gs pos="100000">
+              <a:schemeClr val="phClr">
+                <a:tint val="15000"/>
+                <a:satMod val="350000"/>
+              </a:schemeClr>
+            </a:gs>
+          </a:gsLst>
+          <a:lin ang="16200000" scaled="1"/>
+        </a:gradFill>
+        <a:gradFill rotWithShape="1">
+          <a:gsLst>
+            <a:gs pos="0">
+              <a:schemeClr val="phClr">
+                <a:tint val="100000"/>
+                <a:shade val="100000"/>
+                <a:satMod val="130000"/>
+              </a:schemeClr>
+            </a:gs>
+            <a:gs pos="100000">
+              <a:schemeClr val="phClr">
+                <a:tint val="50000"/>
+                <a:shade val="100000"/>
+                <a:satMod val="350000"/>
+              </a:schemeClr>
+            </a:gs>
+          </a:gsLst>
+          <a:lin ang="16200000" scaled="0"/>
+        </a:gradFill>
+      </a:fillStyleLst>
+      <a:lnStyleLst>
+        <a:ln w="9525" cap="flat" cmpd="sng" algn="ctr">
+          <a:solidFill>
+            <a:schemeClr val="phClr">
+              <a:shade val="95000"/>
+              <a:satMod val="105000"/>
+            </a:schemeClr>
+          </a:solidFill>
+          <a:prstDash val="solid"/>
+        </a:ln>
+        <a:ln w="25400" cap="flat" cmpd="sng" algn="ctr">
+          <a:solidFill>
+            <a:schemeClr val="phClr"/>
+          </a:solidFill>
+          <a:prstDash val="solid"/>
+        </a:ln>
+        <a:ln w="38100" cap="flat" cmpd="sng" algn="ctr">
+          <a:solidFill>
+            <a:schemeClr val="phClr"/>
+          </a:solidFill>
+          <a:prstDash val="solid"/>
+        </a:ln>
+      </a:lnStyleLst>
+      <a:effectStyleLst>
+        <a:effectStyle>
+          <a:effectLst>
+            <a:outerShdw blurRad="40000" dist="20000" dir="5400000" rotWithShape="0">
+              <a:srgbClr val="000000">
+                <a:alpha val="38000"/>
+              </a:srgbClr>
+            </a:outerShdw>
+          </a:effectLst>
+        </a:effectStyle>
+        <a:effectStyle>
+          <a:effectLst>
+            <a:outerShdw blurRad="40000" dist="23000" dir="5400000" rotWithShape="0">
+              <a:srgbClr val="000000">
+                <a:alpha val="35000"/>
+              </a:srgbClr>
+            </a:outerShdw>
+          </a:effectLst>
+        </a:effectStyle>
+        <a:effectStyle>
+          <a:effectLst>
+            <a:outerShdw blurRad="40000" dist="23000" dir="5400000" rotWithShape="0">
+              <a:srgbClr val="000000">
+                <a:alpha val="35000"/>
+              </a:srgbClr>
+            </a:outerShdw>
+          </a:effectLst>
+          <a:scene3d>
+            <a:camera prst="orthographicFront">
+              <a:rot lat="0" lon="0" rev="0"/>
+            </a:camera>
+            <a:lightRig rig="threePt" dir="t">
+              <a:rot lat="0" lon="0" rev="1200000"/>
+            </a:lightRig>
+          </a:scene3d>
+          <a:sp3d>
+            <a:bevelT w="63500" h="25400"/>
+          </a:sp3d>
+        </a:effectStyle>
+      </a:effectStyleLst>
+      <a:bgFillStyleLst>
+        <a:solidFill>
+          <a:schemeClr val="phClr"/>
+        </a:solidFill>
+        <a:gradFill rotWithShape="1">
+          <a:gsLst>
+            <a:gs pos="0">
+              <a:schemeClr val="phClr">
+                <a:tint val="40000"/>
+                <a:satMod val="350000"/>
+              </a:schemeClr>
+            </a:gs>
+            <a:gs pos="40000">
+              <a:schemeClr val="phClr">
+                <a:tint val="45000"/>
+                <a:shade val="99000"/>
+                <a:satMod val="350000"/>
+              </a:schemeClr>
+            </a:gs>
+            <a:gs pos="100000">
+              <a:schemeClr val="phClr">
+                <a:shade val="20000"/>
+                <a:satMod val="255000"/>
+              </a:schemeClr>
+            </a:gs>
+          </a:gsLst>
+          <a:path path="circle">
+            <a:fillToRect l="50000" t="-80000" r="50000" b="180000"/>
+          </a:path>
+        </a:gradFill>
+        <a:gradFill rotWithShape="1">
+          <a:gsLst>
+            <a:gs pos="0">
+              <a:schemeClr val="phClr">
+                <a:tint val="80000"/>
+                <a:satMod val="300000"/>
+              </a:schemeClr>
+            </a:gs>
+            <a:gs pos="100000">
+              <a:schemeClr val="phClr">
+                <a:shade val="30000"/>
+                <a:satMod val="200000"/>
+              </a:schemeClr>
+            </a:gs>
+          </a:gsLst>
+          <a:path path="circle">
+            <a:fillToRect l="50000" t="50000" r="50000" b="50000"/>
+          </a:path>
+        </a:gradFill>
+      </a:bgFillStyleLst>
+    </a:fmtScheme>
+  </a:themeElements>
+  <a:objectDefaults>
+    <a:spDef>
+      <a:spPr/>
+      <a:bodyPr/>
+      <a:lstStyle/>
+      <a:style>
+        <a:lnRef idx="1">
+          <a:schemeClr val="accent1"/>
+        </a:lnRef>
+        <a:fillRef idx="3">
+          <a:schemeClr val="accent1"/>
+        </a:fillRef>
+        <a:effectRef idx="2">
+          <a:schemeClr val="accent1"/>
+        </a:effectRef>
+        <a:fontRef idx="minor">
+          <a:schemeClr val="lt1"/>
+        </a:fontRef>
+      </a:style>
+    </a:spDef>
+    <a:lnDef>
+      <a:spPr/>
+      <a:bodyPr/>
+      <a:lstStyle/>
+      <a:style>
+        <a:lnRef idx="2">
+          <a:schemeClr val="accent1"/>
+        </a:lnRef>
+        <a:fillRef idx="0">
+          <a:schemeClr val="accent1"/>
+        </a:fillRef>
+        <a:effectRef idx="1">
+          <a:schemeClr val="accent1"/>
+        </a:effectRef>
+        <a:fontRef idx="minor">
+          <a:schemeClr val="tx1"/>
+        </a:fontRef>
+      </a:style>
+    </a:lnDef>
+  </a:objectDefaults>
+  <a:extraClrSchemeLst/>
+</a:theme>
 </file>